--- a/Presentation.pptx
+++ b/Presentation.pptx
@@ -8,19 +8,20 @@
     <p:sldId id="265" r:id="rId2"/>
     <p:sldId id="256" r:id="rId3"/>
     <p:sldId id="257" r:id="rId4"/>
-    <p:sldId id="258" r:id="rId5"/>
-    <p:sldId id="259" r:id="rId6"/>
-    <p:sldId id="261" r:id="rId7"/>
-    <p:sldId id="260" r:id="rId8"/>
-    <p:sldId id="262" r:id="rId9"/>
-    <p:sldId id="268" r:id="rId10"/>
-    <p:sldId id="267" r:id="rId11"/>
-    <p:sldId id="269" r:id="rId12"/>
-    <p:sldId id="264" r:id="rId13"/>
-    <p:sldId id="270" r:id="rId14"/>
-    <p:sldId id="271" r:id="rId15"/>
-    <p:sldId id="263" r:id="rId16"/>
-    <p:sldId id="266" r:id="rId17"/>
+    <p:sldId id="272" r:id="rId5"/>
+    <p:sldId id="258" r:id="rId6"/>
+    <p:sldId id="259" r:id="rId7"/>
+    <p:sldId id="261" r:id="rId8"/>
+    <p:sldId id="260" r:id="rId9"/>
+    <p:sldId id="262" r:id="rId10"/>
+    <p:sldId id="268" r:id="rId11"/>
+    <p:sldId id="267" r:id="rId12"/>
+    <p:sldId id="269" r:id="rId13"/>
+    <p:sldId id="264" r:id="rId14"/>
+    <p:sldId id="270" r:id="rId15"/>
+    <p:sldId id="271" r:id="rId16"/>
+    <p:sldId id="263" r:id="rId17"/>
+    <p:sldId id="266" r:id="rId18"/>
   </p:sldIdLst>
   <p:sldSz cx="12192000" cy="6858000"/>
   <p:notesSz cx="6858000" cy="9144000"/>
@@ -119,6 +120,11 @@
       </a:defRPr>
     </a:lvl9pPr>
   </p:defaultTextStyle>
+  <p:extLst>
+    <p:ext uri="{EFAFB233-063F-42B5-8137-9DF3F51BA10A}">
+      <p15:sldGuideLst xmlns:p15="http://schemas.microsoft.com/office/powerpoint/2012/main"/>
+    </p:ext>
+  </p:extLst>
 </p:presentation>
 </file>
 
@@ -845,7 +851,7 @@
             <a:fld id="{B61BEF0D-F0BB-DE4B-95CE-6DB70DBA9567}" type="datetimeFigureOut">
               <a:rPr lang="en-US" dirty="0"/>
               <a:pPr/>
-              <a:t>6/15/2016</a:t>
+              <a:t>6/16/2016</a:t>
             </a:fld>
             <a:endParaRPr lang="en-US" dirty="0"/>
           </a:p>
@@ -1093,7 +1099,7 @@
             <a:fld id="{B61BEF0D-F0BB-DE4B-95CE-6DB70DBA9567}" type="datetimeFigureOut">
               <a:rPr lang="en-US" dirty="0"/>
               <a:pPr/>
-              <a:t>6/15/2016</a:t>
+              <a:t>6/16/2016</a:t>
             </a:fld>
             <a:endParaRPr lang="en-US" dirty="0"/>
           </a:p>
@@ -1404,7 +1410,7 @@
             <a:fld id="{B61BEF0D-F0BB-DE4B-95CE-6DB70DBA9567}" type="datetimeFigureOut">
               <a:rPr lang="en-US" dirty="0"/>
               <a:pPr/>
-              <a:t>6/15/2016</a:t>
+              <a:t>6/16/2016</a:t>
             </a:fld>
             <a:endParaRPr lang="en-US" dirty="0"/>
           </a:p>
@@ -1742,7 +1748,7 @@
             <a:fld id="{B61BEF0D-F0BB-DE4B-95CE-6DB70DBA9567}" type="datetimeFigureOut">
               <a:rPr lang="en-US" dirty="0"/>
               <a:pPr/>
-              <a:t>6/15/2016</a:t>
+              <a:t>6/16/2016</a:t>
             </a:fld>
             <a:endParaRPr lang="en-US" dirty="0"/>
           </a:p>
@@ -2053,7 +2059,7 @@
             <a:fld id="{B61BEF0D-F0BB-DE4B-95CE-6DB70DBA9567}" type="datetimeFigureOut">
               <a:rPr lang="en-US" dirty="0"/>
               <a:pPr/>
-              <a:t>6/15/2016</a:t>
+              <a:t>6/16/2016</a:t>
             </a:fld>
             <a:endParaRPr lang="en-US" dirty="0"/>
           </a:p>
@@ -2443,7 +2449,7 @@
             <a:fld id="{B61BEF0D-F0BB-DE4B-95CE-6DB70DBA9567}" type="datetimeFigureOut">
               <a:rPr lang="en-US" dirty="0"/>
               <a:pPr/>
-              <a:t>6/15/2016</a:t>
+              <a:t>6/16/2016</a:t>
             </a:fld>
             <a:endParaRPr lang="en-US" dirty="0"/>
           </a:p>
@@ -2609,7 +2615,7 @@
           <a:p>
             <a:fld id="{55C6B4A9-1611-4792-9094-5F34BCA07E0B}" type="datetimeFigureOut">
               <a:rPr lang="en-US" dirty="0"/>
-              <a:t>6/15/2016</a:t>
+              <a:t>6/16/2016</a:t>
             </a:fld>
             <a:endParaRPr lang="en-US" dirty="0"/>
           </a:p>
@@ -2785,7 +2791,7 @@
             <a:fld id="{B61BEF0D-F0BB-DE4B-95CE-6DB70DBA9567}" type="datetimeFigureOut">
               <a:rPr lang="en-US" dirty="0"/>
               <a:pPr/>
-              <a:t>6/15/2016</a:t>
+              <a:t>6/16/2016</a:t>
             </a:fld>
             <a:endParaRPr lang="en-US" dirty="0"/>
           </a:p>
@@ -2958,7 +2964,7 @@
             <a:fld id="{B61BEF0D-F0BB-DE4B-95CE-6DB70DBA9567}" type="datetimeFigureOut">
               <a:rPr lang="en-US" dirty="0"/>
               <a:pPr/>
-              <a:t>6/15/2016</a:t>
+              <a:t>6/16/2016</a:t>
             </a:fld>
             <a:endParaRPr lang="en-US" dirty="0"/>
           </a:p>
@@ -3202,7 +3208,7 @@
             <a:fld id="{B61BEF0D-F0BB-DE4B-95CE-6DB70DBA9567}" type="datetimeFigureOut">
               <a:rPr lang="en-US" dirty="0"/>
               <a:pPr/>
-              <a:t>6/15/2016</a:t>
+              <a:t>6/16/2016</a:t>
             </a:fld>
             <a:endParaRPr lang="en-US" dirty="0"/>
           </a:p>
@@ -3430,7 +3436,7 @@
           <a:p>
             <a:fld id="{EB712588-04B1-427B-82EE-E8DB90309F08}" type="datetimeFigureOut">
               <a:rPr lang="en-US" dirty="0"/>
-              <a:t>6/15/2016</a:t>
+              <a:t>6/16/2016</a:t>
             </a:fld>
             <a:endParaRPr lang="en-US" dirty="0"/>
           </a:p>
@@ -3800,7 +3806,7 @@
             <a:fld id="{B61BEF0D-F0BB-DE4B-95CE-6DB70DBA9567}" type="datetimeFigureOut">
               <a:rPr lang="en-US" dirty="0"/>
               <a:pPr/>
-              <a:t>6/15/2016</a:t>
+              <a:t>6/16/2016</a:t>
             </a:fld>
             <a:endParaRPr lang="en-US" dirty="0"/>
           </a:p>
@@ -3920,7 +3926,7 @@
             <a:fld id="{B61BEF0D-F0BB-DE4B-95CE-6DB70DBA9567}" type="datetimeFigureOut">
               <a:rPr lang="en-US" dirty="0"/>
               <a:pPr/>
-              <a:t>6/15/2016</a:t>
+              <a:t>6/16/2016</a:t>
             </a:fld>
             <a:endParaRPr lang="en-US" dirty="0"/>
           </a:p>
@@ -4012,7 +4018,7 @@
             <a:fld id="{B61BEF0D-F0BB-DE4B-95CE-6DB70DBA9567}" type="datetimeFigureOut">
               <a:rPr lang="en-US" dirty="0"/>
               <a:pPr/>
-              <a:t>6/15/2016</a:t>
+              <a:t>6/16/2016</a:t>
             </a:fld>
             <a:endParaRPr lang="en-US" dirty="0"/>
           </a:p>
@@ -4263,7 +4269,7 @@
           <a:p>
             <a:fld id="{42A54C80-263E-416B-A8E0-580EDEADCBDC}" type="datetimeFigureOut">
               <a:rPr lang="en-US" dirty="0"/>
-              <a:t>6/15/2016</a:t>
+              <a:t>6/16/2016</a:t>
             </a:fld>
             <a:endParaRPr lang="en-US" dirty="0"/>
           </a:p>
@@ -4522,7 +4528,7 @@
             <a:fld id="{B61BEF0D-F0BB-DE4B-95CE-6DB70DBA9567}" type="datetimeFigureOut">
               <a:rPr lang="en-US" dirty="0"/>
               <a:pPr/>
-              <a:t>6/15/2016</a:t>
+              <a:t>6/16/2016</a:t>
             </a:fld>
             <a:endParaRPr lang="en-US" dirty="0"/>
           </a:p>
@@ -5262,7 +5268,7 @@
             <a:fld id="{B61BEF0D-F0BB-DE4B-95CE-6DB70DBA9567}" type="datetimeFigureOut">
               <a:rPr lang="en-US" dirty="0"/>
               <a:pPr/>
-              <a:t>6/15/2016</a:t>
+              <a:t>6/16/2016</a:t>
             </a:fld>
             <a:endParaRPr lang="en-US" dirty="0"/>
           </a:p>
@@ -5850,6 +5856,95 @@
           </a:p>
         </p:txBody>
       </p:sp>
+      <p:sp>
+        <p:nvSpPr>
+          <p:cNvPr id="3" name="Espace réservé du contenu 2"/>
+          <p:cNvSpPr>
+            <a:spLocks noGrp="1"/>
+          </p:cNvSpPr>
+          <p:nvPr>
+            <p:ph idx="1"/>
+          </p:nvPr>
+        </p:nvSpPr>
+        <p:spPr/>
+        <p:txBody>
+          <a:bodyPr/>
+          <a:lstStyle/>
+          <a:p>
+            <a:r>
+              <a:rPr lang="fr-FR" dirty="0" err="1" smtClean="0"/>
+              <a:t>ComputePerception</a:t>
+            </a:r>
+            <a:endParaRPr lang="fr-FR" dirty="0" smtClean="0"/>
+          </a:p>
+          <a:p>
+            <a:pPr marL="0" indent="0">
+              <a:buNone/>
+            </a:pPr>
+            <a:endParaRPr lang="fr-FR" dirty="0"/>
+          </a:p>
+        </p:txBody>
+      </p:sp>
+    </p:spTree>
+    <p:extLst>
+      <p:ext uri="{BB962C8B-B14F-4D97-AF65-F5344CB8AC3E}">
+        <p14:creationId xmlns:p14="http://schemas.microsoft.com/office/powerpoint/2010/main" val="1450036024"/>
+      </p:ext>
+    </p:extLst>
+  </p:cSld>
+  <p:clrMapOvr>
+    <a:masterClrMapping/>
+  </p:clrMapOvr>
+  <p:timing>
+    <p:tnLst>
+      <p:par>
+        <p:cTn id="1" dur="indefinite" restart="never" nodeType="tmRoot"/>
+      </p:par>
+    </p:tnLst>
+  </p:timing>
+</p:sld>
+</file>
+
+<file path=ppt/slides/slide11.xml><?xml version="1.0" encoding="utf-8"?>
+<p:sld xmlns:a="http://schemas.openxmlformats.org/drawingml/2006/main" xmlns:r="http://schemas.openxmlformats.org/officeDocument/2006/relationships" xmlns:p="http://schemas.openxmlformats.org/presentationml/2006/main">
+  <p:cSld>
+    <p:spTree>
+      <p:nvGrpSpPr>
+        <p:cNvPr id="1" name=""/>
+        <p:cNvGrpSpPr/>
+        <p:nvPr/>
+      </p:nvGrpSpPr>
+      <p:grpSpPr>
+        <a:xfrm>
+          <a:off x="0" y="0"/>
+          <a:ext cx="0" cy="0"/>
+          <a:chOff x="0" y="0"/>
+          <a:chExt cx="0" cy="0"/>
+        </a:xfrm>
+      </p:grpSpPr>
+      <p:sp>
+        <p:nvSpPr>
+          <p:cNvPr id="2" name="Titre 1"/>
+          <p:cNvSpPr>
+            <a:spLocks noGrp="1"/>
+          </p:cNvSpPr>
+          <p:nvPr>
+            <p:ph type="title"/>
+          </p:nvPr>
+        </p:nvSpPr>
+        <p:spPr/>
+        <p:txBody>
+          <a:bodyPr/>
+          <a:lstStyle/>
+          <a:p>
+            <a:r>
+              <a:rPr lang="fr-FR" dirty="0" err="1" smtClean="0"/>
+              <a:t>BenchMark</a:t>
+            </a:r>
+            <a:endParaRPr lang="fr-FR" dirty="0"/>
+          </a:p>
+        </p:txBody>
+      </p:sp>
       <p:pic>
         <p:nvPicPr>
           <p:cNvPr id="4" name="Espace réservé du contenu 3"/>
@@ -5899,7 +5994,7 @@
 </p:sld>
 </file>
 
-<file path=ppt/slides/slide11.xml><?xml version="1.0" encoding="utf-8"?>
+<file path=ppt/slides/slide12.xml><?xml version="1.0" encoding="utf-8"?>
 <p:sld xmlns:a="http://schemas.openxmlformats.org/drawingml/2006/main" xmlns:r="http://schemas.openxmlformats.org/officeDocument/2006/relationships" xmlns:p="http://schemas.openxmlformats.org/presentationml/2006/main">
   <p:cSld>
     <p:spTree>
@@ -5988,7 +6083,7 @@
 </p:sld>
 </file>
 
-<file path=ppt/slides/slide12.xml><?xml version="1.0" encoding="utf-8"?>
+<file path=ppt/slides/slide13.xml><?xml version="1.0" encoding="utf-8"?>
 <p:sld xmlns:a="http://schemas.openxmlformats.org/drawingml/2006/main" xmlns:r="http://schemas.openxmlformats.org/officeDocument/2006/relationships" xmlns:p="http://schemas.openxmlformats.org/presentationml/2006/main">
   <p:cSld>
     <p:spTree>
@@ -6076,7 +6171,7 @@
 </p:sld>
 </file>
 
-<file path=ppt/slides/slide13.xml><?xml version="1.0" encoding="utf-8"?>
+<file path=ppt/slides/slide14.xml><?xml version="1.0" encoding="utf-8"?>
 <p:sld xmlns:a="http://schemas.openxmlformats.org/drawingml/2006/main" xmlns:r="http://schemas.openxmlformats.org/officeDocument/2006/relationships" xmlns:p="http://schemas.openxmlformats.org/presentationml/2006/main">
   <p:cSld>
     <p:spTree>
@@ -6155,7 +6250,7 @@
 </p:sld>
 </file>
 
-<file path=ppt/slides/slide14.xml><?xml version="1.0" encoding="utf-8"?>
+<file path=ppt/slides/slide15.xml><?xml version="1.0" encoding="utf-8"?>
 <p:sld xmlns:a="http://schemas.openxmlformats.org/drawingml/2006/main" xmlns:r="http://schemas.openxmlformats.org/officeDocument/2006/relationships" xmlns:p="http://schemas.openxmlformats.org/presentationml/2006/main">
   <p:cSld>
     <p:spTree>
@@ -6282,7 +6377,7 @@
 </p:sld>
 </file>
 
-<file path=ppt/slides/slide15.xml><?xml version="1.0" encoding="utf-8"?>
+<file path=ppt/slides/slide16.xml><?xml version="1.0" encoding="utf-8"?>
 <p:sld xmlns:a="http://schemas.openxmlformats.org/drawingml/2006/main" xmlns:r="http://schemas.openxmlformats.org/officeDocument/2006/relationships" xmlns:p="http://schemas.openxmlformats.org/presentationml/2006/main">
   <p:cSld>
     <p:spTree>
@@ -6435,7 +6530,7 @@
 </p:sld>
 </file>
 
-<file path=ppt/slides/slide16.xml><?xml version="1.0" encoding="utf-8"?>
+<file path=ppt/slides/slide17.xml><?xml version="1.0" encoding="utf-8"?>
 <p:sld xmlns:a="http://schemas.openxmlformats.org/drawingml/2006/main" xmlns:r="http://schemas.openxmlformats.org/officeDocument/2006/relationships" xmlns:p="http://schemas.openxmlformats.org/presentationml/2006/main" showMasterSp="0">
   <p:cSld>
     <p:bg>
@@ -6665,86 +6760,37 @@
           <a:lstStyle/>
           <a:p>
             <a:r>
-              <a:rPr lang="fr-FR" dirty="0" smtClean="0"/>
-              <a:t>Sarl </a:t>
-            </a:r>
-            <a:r>
-              <a:rPr lang="fr-FR" dirty="0" err="1" smtClean="0"/>
-              <a:t>language</a:t>
-            </a:r>
-            <a:r>
-              <a:rPr lang="fr-FR" dirty="0" smtClean="0"/>
-              <a:t> – Agent </a:t>
-            </a:r>
-            <a:r>
-              <a:rPr lang="fr-FR" dirty="0" err="1" smtClean="0"/>
-              <a:t>oriented</a:t>
-            </a:r>
-            <a:r>
-              <a:rPr lang="fr-FR" dirty="0" smtClean="0"/>
-              <a:t> </a:t>
-            </a:r>
-            <a:r>
-              <a:rPr lang="fr-FR" dirty="0" err="1" smtClean="0"/>
-              <a:t>based</a:t>
-            </a:r>
-            <a:r>
-              <a:rPr lang="fr-FR" dirty="0" smtClean="0"/>
-              <a:t> on Java</a:t>
-            </a:r>
-          </a:p>
-          <a:p>
-            <a:endParaRPr lang="fr-FR" dirty="0"/>
-          </a:p>
-          <a:p>
-            <a:r>
-              <a:rPr lang="fr-FR" dirty="0" err="1" smtClean="0"/>
-              <a:t>Differents</a:t>
-            </a:r>
-            <a:r>
-              <a:rPr lang="fr-FR" dirty="0" smtClean="0"/>
-              <a:t> </a:t>
-            </a:r>
-            <a:r>
-              <a:rPr lang="fr-FR" dirty="0" err="1" smtClean="0"/>
-              <a:t>kinds</a:t>
-            </a:r>
-            <a:r>
-              <a:rPr lang="fr-FR" dirty="0" smtClean="0"/>
-              <a:t> of IA</a:t>
-            </a:r>
-          </a:p>
-          <a:p>
-            <a:endParaRPr lang="fr-FR" dirty="0"/>
-          </a:p>
-          <a:p>
-            <a:r>
-              <a:rPr lang="fr-FR" dirty="0" smtClean="0"/>
-              <a:t>Multiple actions and </a:t>
-            </a:r>
-            <a:r>
-              <a:rPr lang="fr-FR" dirty="0" err="1" smtClean="0"/>
-              <a:t>units</a:t>
-            </a:r>
-            <a:endParaRPr lang="fr-FR" dirty="0" smtClean="0"/>
-          </a:p>
-          <a:p>
-            <a:endParaRPr lang="fr-FR" dirty="0"/>
-          </a:p>
-          <a:p>
-            <a:r>
-              <a:rPr lang="fr-FR" dirty="0" err="1" smtClean="0"/>
-              <a:t>Complex</a:t>
-            </a:r>
-            <a:r>
-              <a:rPr lang="fr-FR" dirty="0" smtClean="0"/>
-              <a:t> </a:t>
-            </a:r>
-            <a:r>
-              <a:rPr lang="fr-FR" dirty="0" err="1" smtClean="0"/>
-              <a:t>map</a:t>
-            </a:r>
-            <a:endParaRPr lang="fr-FR" dirty="0"/>
+              <a:rPr lang="en-US" dirty="0" smtClean="0"/>
+              <a:t>Real time game : precise time cycle</a:t>
+            </a:r>
+          </a:p>
+          <a:p>
+            <a:endParaRPr lang="en-US" dirty="0" smtClean="0"/>
+          </a:p>
+          <a:p>
+            <a:r>
+              <a:rPr lang="en-US" dirty="0" smtClean="0"/>
+              <a:t>Different kinds of AIs : Strategic, operational…</a:t>
+            </a:r>
+          </a:p>
+          <a:p>
+            <a:endParaRPr lang="en-US" dirty="0" smtClean="0"/>
+          </a:p>
+          <a:p>
+            <a:r>
+              <a:rPr lang="en-US" dirty="0" smtClean="0"/>
+              <a:t>Multiple actions and units</a:t>
+            </a:r>
+          </a:p>
+          <a:p>
+            <a:endParaRPr lang="en-US" dirty="0" smtClean="0"/>
+          </a:p>
+          <a:p>
+            <a:r>
+              <a:rPr lang="en-US" dirty="0" smtClean="0"/>
+              <a:t>Complex map</a:t>
+            </a:r>
+            <a:endParaRPr lang="en-US" dirty="0"/>
           </a:p>
         </p:txBody>
       </p:sp>
@@ -6801,6 +6847,104 @@
           <a:lstStyle/>
           <a:p>
             <a:r>
+              <a:rPr lang="fr-FR" dirty="0" err="1" smtClean="0"/>
+              <a:t>Problematic</a:t>
+            </a:r>
+            <a:endParaRPr lang="fr-FR" dirty="0"/>
+          </a:p>
+        </p:txBody>
+      </p:sp>
+      <p:sp>
+        <p:nvSpPr>
+          <p:cNvPr id="3" name="Espace réservé du contenu 2"/>
+          <p:cNvSpPr>
+            <a:spLocks noGrp="1"/>
+          </p:cNvSpPr>
+          <p:nvPr>
+            <p:ph idx="1"/>
+          </p:nvPr>
+        </p:nvSpPr>
+        <p:spPr/>
+        <p:txBody>
+          <a:bodyPr/>
+          <a:lstStyle/>
+          <a:p>
+            <a:pPr marL="0" indent="0">
+              <a:buNone/>
+            </a:pPr>
+            <a:endParaRPr lang="fr-FR" dirty="0" smtClean="0"/>
+          </a:p>
+          <a:p>
+            <a:r>
+              <a:rPr lang="fr-FR" dirty="0" smtClean="0"/>
+              <a:t>Goal </a:t>
+            </a:r>
+            <a:r>
+              <a:rPr lang="fr-FR" dirty="0" smtClean="0"/>
+              <a:t>: </a:t>
+            </a:r>
+            <a:r>
+              <a:rPr lang="fr-FR" dirty="0" err="1" smtClean="0"/>
+              <a:t>Create</a:t>
+            </a:r>
+            <a:r>
+              <a:rPr lang="fr-FR" dirty="0" smtClean="0"/>
+              <a:t> a RTS </a:t>
+            </a:r>
+            <a:r>
+              <a:rPr lang="fr-FR" smtClean="0"/>
+              <a:t>engine</a:t>
+            </a:r>
+            <a:endParaRPr lang="fr-FR" dirty="0"/>
+          </a:p>
+        </p:txBody>
+      </p:sp>
+    </p:spTree>
+    <p:extLst>
+      <p:ext uri="{BB962C8B-B14F-4D97-AF65-F5344CB8AC3E}">
+        <p14:creationId xmlns:p14="http://schemas.microsoft.com/office/powerpoint/2010/main" val="4189325737"/>
+      </p:ext>
+    </p:extLst>
+  </p:cSld>
+  <p:clrMapOvr>
+    <a:masterClrMapping/>
+  </p:clrMapOvr>
+</p:sld>
+</file>
+
+<file path=ppt/slides/slide5.xml><?xml version="1.0" encoding="utf-8"?>
+<p:sld xmlns:a="http://schemas.openxmlformats.org/drawingml/2006/main" xmlns:r="http://schemas.openxmlformats.org/officeDocument/2006/relationships" xmlns:p="http://schemas.openxmlformats.org/presentationml/2006/main">
+  <p:cSld>
+    <p:spTree>
+      <p:nvGrpSpPr>
+        <p:cNvPr id="1" name=""/>
+        <p:cNvGrpSpPr/>
+        <p:nvPr/>
+      </p:nvGrpSpPr>
+      <p:grpSpPr>
+        <a:xfrm>
+          <a:off x="0" y="0"/>
+          <a:ext cx="0" cy="0"/>
+          <a:chOff x="0" y="0"/>
+          <a:chExt cx="0" cy="0"/>
+        </a:xfrm>
+      </p:grpSpPr>
+      <p:sp>
+        <p:nvSpPr>
+          <p:cNvPr id="2" name="Titre 1"/>
+          <p:cNvSpPr>
+            <a:spLocks noGrp="1"/>
+          </p:cNvSpPr>
+          <p:nvPr>
+            <p:ph type="title"/>
+          </p:nvPr>
+        </p:nvSpPr>
+        <p:spPr/>
+        <p:txBody>
+          <a:bodyPr/>
+          <a:lstStyle/>
+          <a:p>
+            <a:r>
               <a:rPr lang="fr-FR" dirty="0" smtClean="0"/>
               <a:t>State of the art</a:t>
             </a:r>
@@ -6846,20 +6990,6 @@
             <a:endParaRPr lang="fr-FR" dirty="0" smtClean="0"/>
           </a:p>
           <a:p>
-            <a:endParaRPr lang="fr-FR" dirty="0" smtClean="0"/>
-          </a:p>
-          <a:p>
-            <a:r>
-              <a:rPr lang="fr-FR" dirty="0" smtClean="0"/>
-              <a:t>High </a:t>
-            </a:r>
-            <a:r>
-              <a:rPr lang="fr-FR" dirty="0" err="1" smtClean="0"/>
-              <a:t>complexity</a:t>
-            </a:r>
-            <a:endParaRPr lang="fr-FR" dirty="0" smtClean="0"/>
-          </a:p>
-          <a:p>
             <a:endParaRPr lang="fr-FR" dirty="0"/>
           </a:p>
           <a:p>
@@ -6911,7 +7041,7 @@
             </a:r>
             <a:r>
               <a:rPr lang="fr-FR" dirty="0" smtClean="0"/>
-              <a:t> to the </a:t>
+              <a:t> the </a:t>
             </a:r>
             <a:r>
               <a:rPr lang="fr-FR" dirty="0" err="1" smtClean="0"/>
@@ -6941,7 +7071,7 @@
 </p:sld>
 </file>
 
-<file path=ppt/slides/slide5.xml><?xml version="1.0" encoding="utf-8"?>
+<file path=ppt/slides/slide6.xml><?xml version="1.0" encoding="utf-8"?>
 <p:sld xmlns:a="http://schemas.openxmlformats.org/drawingml/2006/main" xmlns:r="http://schemas.openxmlformats.org/officeDocument/2006/relationships" xmlns:p="http://schemas.openxmlformats.org/presentationml/2006/main">
   <p:cSld>
     <p:spTree>
@@ -7071,7 +7201,7 @@
 </p:sld>
 </file>
 
-<file path=ppt/slides/slide6.xml><?xml version="1.0" encoding="utf-8"?>
+<file path=ppt/slides/slide7.xml><?xml version="1.0" encoding="utf-8"?>
 <p:sld xmlns:a="http://schemas.openxmlformats.org/drawingml/2006/main" xmlns:r="http://schemas.openxmlformats.org/officeDocument/2006/relationships" xmlns:p="http://schemas.openxmlformats.org/presentationml/2006/main">
   <p:cSld>
     <p:spTree>
@@ -7169,7 +7299,7 @@
 </p:sld>
 </file>
 
-<file path=ppt/slides/slide7.xml><?xml version="1.0" encoding="utf-8"?>
+<file path=ppt/slides/slide8.xml><?xml version="1.0" encoding="utf-8"?>
 <p:sld xmlns:a="http://schemas.openxmlformats.org/drawingml/2006/main" xmlns:r="http://schemas.openxmlformats.org/officeDocument/2006/relationships" xmlns:p="http://schemas.openxmlformats.org/presentationml/2006/main">
   <p:cSld>
     <p:spTree>
@@ -7267,7 +7397,7 @@
 </p:sld>
 </file>
 
-<file path=ppt/slides/slide8.xml><?xml version="1.0" encoding="utf-8"?>
+<file path=ppt/slides/slide9.xml><?xml version="1.0" encoding="utf-8"?>
 <p:sld xmlns:a="http://schemas.openxmlformats.org/drawingml/2006/main" xmlns:r="http://schemas.openxmlformats.org/officeDocument/2006/relationships" xmlns:p="http://schemas.openxmlformats.org/presentationml/2006/main">
   <p:cSld>
     <p:spTree>
@@ -7345,95 +7475,6 @@
     <p:extLst>
       <p:ext uri="{BB962C8B-B14F-4D97-AF65-F5344CB8AC3E}">
         <p14:creationId xmlns:p14="http://schemas.microsoft.com/office/powerpoint/2010/main" val="3400487627"/>
-      </p:ext>
-    </p:extLst>
-  </p:cSld>
-  <p:clrMapOvr>
-    <a:masterClrMapping/>
-  </p:clrMapOvr>
-  <p:timing>
-    <p:tnLst>
-      <p:par>
-        <p:cTn id="1" dur="indefinite" restart="never" nodeType="tmRoot"/>
-      </p:par>
-    </p:tnLst>
-  </p:timing>
-</p:sld>
-</file>
-
-<file path=ppt/slides/slide9.xml><?xml version="1.0" encoding="utf-8"?>
-<p:sld xmlns:a="http://schemas.openxmlformats.org/drawingml/2006/main" xmlns:r="http://schemas.openxmlformats.org/officeDocument/2006/relationships" xmlns:p="http://schemas.openxmlformats.org/presentationml/2006/main">
-  <p:cSld>
-    <p:spTree>
-      <p:nvGrpSpPr>
-        <p:cNvPr id="1" name=""/>
-        <p:cNvGrpSpPr/>
-        <p:nvPr/>
-      </p:nvGrpSpPr>
-      <p:grpSpPr>
-        <a:xfrm>
-          <a:off x="0" y="0"/>
-          <a:ext cx="0" cy="0"/>
-          <a:chOff x="0" y="0"/>
-          <a:chExt cx="0" cy="0"/>
-        </a:xfrm>
-      </p:grpSpPr>
-      <p:sp>
-        <p:nvSpPr>
-          <p:cNvPr id="2" name="Titre 1"/>
-          <p:cNvSpPr>
-            <a:spLocks noGrp="1"/>
-          </p:cNvSpPr>
-          <p:nvPr>
-            <p:ph type="title"/>
-          </p:nvPr>
-        </p:nvSpPr>
-        <p:spPr/>
-        <p:txBody>
-          <a:bodyPr/>
-          <a:lstStyle/>
-          <a:p>
-            <a:r>
-              <a:rPr lang="fr-FR" dirty="0" err="1" smtClean="0"/>
-              <a:t>BenchMark</a:t>
-            </a:r>
-            <a:endParaRPr lang="fr-FR" dirty="0"/>
-          </a:p>
-        </p:txBody>
-      </p:sp>
-      <p:sp>
-        <p:nvSpPr>
-          <p:cNvPr id="3" name="Espace réservé du contenu 2"/>
-          <p:cNvSpPr>
-            <a:spLocks noGrp="1"/>
-          </p:cNvSpPr>
-          <p:nvPr>
-            <p:ph idx="1"/>
-          </p:nvPr>
-        </p:nvSpPr>
-        <p:spPr/>
-        <p:txBody>
-          <a:bodyPr/>
-          <a:lstStyle/>
-          <a:p>
-            <a:r>
-              <a:rPr lang="fr-FR" dirty="0" err="1" smtClean="0"/>
-              <a:t>ComputePerception</a:t>
-            </a:r>
-            <a:endParaRPr lang="fr-FR" dirty="0" smtClean="0"/>
-          </a:p>
-          <a:p>
-            <a:pPr marL="0" indent="0">
-              <a:buNone/>
-            </a:pPr>
-            <a:endParaRPr lang="fr-FR" dirty="0"/>
-          </a:p>
-        </p:txBody>
-      </p:sp>
-    </p:spTree>
-    <p:extLst>
-      <p:ext uri="{BB962C8B-B14F-4D97-AF65-F5344CB8AC3E}">
-        <p14:creationId xmlns:p14="http://schemas.microsoft.com/office/powerpoint/2010/main" val="1450036024"/>
       </p:ext>
     </p:extLst>
   </p:cSld>
